--- a/lezioni/tensione tangenziale.pptx
+++ b/lezioni/tensione tangenziale.pptx
@@ -14,10 +14,12 @@
     <p:sldId id="285" r:id="rId8"/>
     <p:sldId id="286" r:id="rId9"/>
     <p:sldId id="287" r:id="rId10"/>
-    <p:sldId id="290" r:id="rId11"/>
-    <p:sldId id="291" r:id="rId12"/>
-    <p:sldId id="288" r:id="rId13"/>
-    <p:sldId id="289" r:id="rId14"/>
+    <p:sldId id="282" r:id="rId11"/>
+    <p:sldId id="283" r:id="rId12"/>
+    <p:sldId id="290" r:id="rId13"/>
+    <p:sldId id="291" r:id="rId14"/>
+    <p:sldId id="288" r:id="rId15"/>
+    <p:sldId id="289" r:id="rId16"/>
   </p:sldIdLst>
   <p:sldSz cx="12192000" cy="6858000"/>
   <p:notesSz cx="6858000" cy="9144000"/>
@@ -4921,7 +4923,7 @@
           <a:p>
             <a:fld id="{9548EC00-85CB-FE48-AEFA-5EC54BD6331D}" type="datetimeFigureOut">
               <a:rPr lang="en-IT" smtClean="0"/>
-              <a:t>05/09/23</a:t>
+              <a:t>11/09/23</a:t>
             </a:fld>
             <a:endParaRPr lang="en-IT"/>
           </a:p>
@@ -5121,7 +5123,7 @@
           <a:p>
             <a:fld id="{9548EC00-85CB-FE48-AEFA-5EC54BD6331D}" type="datetimeFigureOut">
               <a:rPr lang="en-IT" smtClean="0"/>
-              <a:t>05/09/23</a:t>
+              <a:t>11/09/23</a:t>
             </a:fld>
             <a:endParaRPr lang="en-IT"/>
           </a:p>
@@ -5331,7 +5333,7 @@
           <a:p>
             <a:fld id="{9548EC00-85CB-FE48-AEFA-5EC54BD6331D}" type="datetimeFigureOut">
               <a:rPr lang="en-IT" smtClean="0"/>
-              <a:t>05/09/23</a:t>
+              <a:t>11/09/23</a:t>
             </a:fld>
             <a:endParaRPr lang="en-IT"/>
           </a:p>
@@ -5531,7 +5533,7 @@
           <a:p>
             <a:fld id="{9548EC00-85CB-FE48-AEFA-5EC54BD6331D}" type="datetimeFigureOut">
               <a:rPr lang="en-IT" smtClean="0"/>
-              <a:t>05/09/23</a:t>
+              <a:t>11/09/23</a:t>
             </a:fld>
             <a:endParaRPr lang="en-IT"/>
           </a:p>
@@ -5807,7 +5809,7 @@
           <a:p>
             <a:fld id="{9548EC00-85CB-FE48-AEFA-5EC54BD6331D}" type="datetimeFigureOut">
               <a:rPr lang="en-IT" smtClean="0"/>
-              <a:t>05/09/23</a:t>
+              <a:t>11/09/23</a:t>
             </a:fld>
             <a:endParaRPr lang="en-IT"/>
           </a:p>
@@ -6075,7 +6077,7 @@
           <a:p>
             <a:fld id="{9548EC00-85CB-FE48-AEFA-5EC54BD6331D}" type="datetimeFigureOut">
               <a:rPr lang="en-IT" smtClean="0"/>
-              <a:t>05/09/23</a:t>
+              <a:t>11/09/23</a:t>
             </a:fld>
             <a:endParaRPr lang="en-IT"/>
           </a:p>
@@ -6490,7 +6492,7 @@
           <a:p>
             <a:fld id="{9548EC00-85CB-FE48-AEFA-5EC54BD6331D}" type="datetimeFigureOut">
               <a:rPr lang="en-IT" smtClean="0"/>
-              <a:t>05/09/23</a:t>
+              <a:t>11/09/23</a:t>
             </a:fld>
             <a:endParaRPr lang="en-IT"/>
           </a:p>
@@ -6632,7 +6634,7 @@
           <a:p>
             <a:fld id="{9548EC00-85CB-FE48-AEFA-5EC54BD6331D}" type="datetimeFigureOut">
               <a:rPr lang="en-IT" smtClean="0"/>
-              <a:t>05/09/23</a:t>
+              <a:t>11/09/23</a:t>
             </a:fld>
             <a:endParaRPr lang="en-IT"/>
           </a:p>
@@ -6745,7 +6747,7 @@
           <a:p>
             <a:fld id="{9548EC00-85CB-FE48-AEFA-5EC54BD6331D}" type="datetimeFigureOut">
               <a:rPr lang="en-IT" smtClean="0"/>
-              <a:t>05/09/23</a:t>
+              <a:t>11/09/23</a:t>
             </a:fld>
             <a:endParaRPr lang="en-IT"/>
           </a:p>
@@ -7058,7 +7060,7 @@
           <a:p>
             <a:fld id="{9548EC00-85CB-FE48-AEFA-5EC54BD6331D}" type="datetimeFigureOut">
               <a:rPr lang="en-IT" smtClean="0"/>
-              <a:t>05/09/23</a:t>
+              <a:t>11/09/23</a:t>
             </a:fld>
             <a:endParaRPr lang="en-IT"/>
           </a:p>
@@ -7347,7 +7349,7 @@
           <a:p>
             <a:fld id="{9548EC00-85CB-FE48-AEFA-5EC54BD6331D}" type="datetimeFigureOut">
               <a:rPr lang="en-IT" smtClean="0"/>
-              <a:t>05/09/23</a:t>
+              <a:t>11/09/23</a:t>
             </a:fld>
             <a:endParaRPr lang="en-IT"/>
           </a:p>
@@ -7590,7 +7592,7 @@
           <a:p>
             <a:fld id="{9548EC00-85CB-FE48-AEFA-5EC54BD6331D}" type="datetimeFigureOut">
               <a:rPr lang="en-IT" smtClean="0"/>
-              <a:t>05/09/23</a:t>
+              <a:t>11/09/23</a:t>
             </a:fld>
             <a:endParaRPr lang="en-IT"/>
           </a:p>
@@ -8098,6 +8100,317 @@
           <p:cNvPr id="2" name="Title 1">
             <a:extLst>
               <a:ext uri="{FF2B5EF4-FFF2-40B4-BE49-F238E27FC236}">
+                <a16:creationId xmlns:a16="http://schemas.microsoft.com/office/drawing/2014/main" id="{FF5B570E-5486-55FD-95C2-44AAF71745E5}"/>
+              </a:ext>
+            </a:extLst>
+          </p:cNvPr>
+          <p:cNvSpPr>
+            <a:spLocks noGrp="1"/>
+          </p:cNvSpPr>
+          <p:nvPr>
+            <p:ph type="title"/>
+          </p:nvPr>
+        </p:nvSpPr>
+        <p:spPr>
+          <a:xfrm>
+            <a:off x="0" y="-263526"/>
+            <a:ext cx="10515600" cy="1325563"/>
+          </a:xfrm>
+        </p:spPr>
+        <p:txBody>
+          <a:bodyPr/>
+          <a:lstStyle/>
+          <a:p>
+            <a:r>
+              <a:rPr lang="en-IT" dirty="0"/>
+              <a:t>Esercizio</a:t>
+            </a:r>
+          </a:p>
+        </p:txBody>
+      </p:sp>
+      <p:pic>
+        <p:nvPicPr>
+          <p:cNvPr id="10" name="Picture 9" descr="\documentclass{article}&#10;\usepackage{amsmath,bbm,mathrsfs}&#10;\setlength\parindent{0em}&#10;\usepackage{geometry}&#10;\geometry{textwidth=8cm}&#10;\setlength\parskip{1em}&#10;\pagestyle{empty}&#10;\begin{document}&#10;&#10;&#10;Se l'incastro in legno ha uno spessore di \(150 \, \text{mm}\), determinare lo sforzo di taglio medio lungo i piani \(a-a\) e \(b-b\) dell'elemento collegato. Per ogni piano, rappresentare lo stato di sollecitazione su un elemento del materiale.&#10;&#10;\end{document}" title="IguanaTex Bitmap Display">
+            <a:extLst>
+              <a:ext uri="{FF2B5EF4-FFF2-40B4-BE49-F238E27FC236}">
+                <a16:creationId xmlns:a16="http://schemas.microsoft.com/office/drawing/2014/main" id="{A23842F4-94EE-0729-B7A9-992E939913BE}"/>
+              </a:ext>
+            </a:extLst>
+          </p:cNvPr>
+          <p:cNvPicPr>
+            <a:picLocks noChangeAspect="1"/>
+          </p:cNvPicPr>
+          <p:nvPr>
+            <p:custDataLst>
+              <p:tags r:id="rId1"/>
+            </p:custDataLst>
+          </p:nvPr>
+        </p:nvPicPr>
+        <p:blipFill>
+          <a:blip r:embed="rId3"/>
+          <a:stretch>
+            <a:fillRect/>
+          </a:stretch>
+        </p:blipFill>
+        <p:spPr>
+          <a:xfrm>
+            <a:off x="5962102" y="2053732"/>
+            <a:ext cx="5765800" cy="1397000"/>
+          </a:xfrm>
+          <a:prstGeom prst="rect">
+            <a:avLst/>
+          </a:prstGeom>
+        </p:spPr>
+      </p:pic>
+      <p:pic>
+        <p:nvPicPr>
+          <p:cNvPr id="8" name="Picture 7">
+            <a:extLst>
+              <a:ext uri="{FF2B5EF4-FFF2-40B4-BE49-F238E27FC236}">
+                <a16:creationId xmlns:a16="http://schemas.microsoft.com/office/drawing/2014/main" id="{4755F1BE-2284-11C0-FA6F-B6C2957389CB}"/>
+              </a:ext>
+            </a:extLst>
+          </p:cNvPr>
+          <p:cNvPicPr>
+            <a:picLocks noChangeAspect="1"/>
+          </p:cNvPicPr>
+          <p:nvPr/>
+        </p:nvPicPr>
+        <p:blipFill>
+          <a:blip r:embed="rId4"/>
+          <a:stretch>
+            <a:fillRect/>
+          </a:stretch>
+        </p:blipFill>
+        <p:spPr>
+          <a:xfrm>
+            <a:off x="248964" y="1421907"/>
+            <a:ext cx="4737100" cy="2540000"/>
+          </a:xfrm>
+          <a:prstGeom prst="rect">
+            <a:avLst/>
+          </a:prstGeom>
+        </p:spPr>
+      </p:pic>
+    </p:spTree>
+    <p:extLst>
+      <p:ext uri="{BB962C8B-B14F-4D97-AF65-F5344CB8AC3E}">
+        <p14:creationId xmlns:p14="http://schemas.microsoft.com/office/powerpoint/2010/main" val="3393180192"/>
+      </p:ext>
+    </p:extLst>
+  </p:cSld>
+  <p:clrMapOvr>
+    <a:masterClrMapping/>
+  </p:clrMapOvr>
+</p:sld>
+</file>
+
+<file path=ppt/slides/slide11.xml><?xml version="1.0" encoding="utf-8"?>
+<p:sld xmlns:a="http://schemas.openxmlformats.org/drawingml/2006/main" xmlns:r="http://schemas.openxmlformats.org/officeDocument/2006/relationships" xmlns:p="http://schemas.openxmlformats.org/presentationml/2006/main">
+  <p:cSld>
+    <p:spTree>
+      <p:nvGrpSpPr>
+        <p:cNvPr id="1" name=""/>
+        <p:cNvGrpSpPr/>
+        <p:nvPr/>
+      </p:nvGrpSpPr>
+      <p:grpSpPr>
+        <a:xfrm>
+          <a:off x="0" y="0"/>
+          <a:ext cx="0" cy="0"/>
+          <a:chOff x="0" y="0"/>
+          <a:chExt cx="0" cy="0"/>
+        </a:xfrm>
+      </p:grpSpPr>
+      <p:pic>
+        <p:nvPicPr>
+          <p:cNvPr id="14" name="Picture 13" descr="\documentclass{article}&#10;\usepackage{amsmath,bbm,mathrsfs}&#10;\setlength\parindent{0em}&#10;\usepackage{geometry}&#10;\geometry{textwidth=10cm}&#10;\setlength\parskip{1em}&#10;\pagestyle{empty}&#10;\begin{document}&#10;&#10;&#10;Riferendosi al diagramma delle forze sul corpo libero &#10;$$&#10;\stackrel{+}{\rightarrow} F_x = 0 ; \quad 6 \, \text{kN} - F - F = 0 \quad F = 3 \, \text{kN}&#10;$$&#10;Ora consideriamo l'equilibrio dei segmenti tagliati lungo i piani di taglio \(a-a\) e \(b-b\), mostrati nelle Fig. \(1-22 c\) e \(1-22 d\).&#10;$$&#10;\begin{aligned}&#10;&amp; \stackrel{\Sigma}{\rightarrow} F_x = 0 ; \quad V_a - 3 \, \text{kN} = 0 \quad V_a = 3 \, \text{kN} \\&#10;&amp; \stackrel{\pm}{\rightarrow} F_x = 0 ; \quad 3 \, \text{kN} - V_b = 0 \quad V_b = 3 \, \text{kN} \&#10;\end{aligned}&#10;$$&#10;&#10;$$&#10;\begin{aligned}&#10;&amp; \left( \tau_a \right)_{\text{avg}} = \frac{V_a}{A_a} = \frac{3 \times 10^3 \, \text{N}}{(0.1 \, \text{m}) (0.15 \, \text{m})} = 200 \, \text{kPa} \\&#10;&amp; \left( \tau_b \right)_{\text{avg}} = \frac{V_b}{A_b} = \frac{3 \times 10^3 \, \text{N}}{(0.125 \, \text{m}) (0.15 \, \text{m})} = 160 \, \text{kPa} \&#10;\end{aligned}&#10;$$&#10;&#10;&#10;Lo stato di sollecitazione sugli elementi situati sulle sezioni \(a-a\) e \(b-b\) è mostrato nelle c e d.&#10;&#10;&#10;&#10;\end{document}" title="IguanaTex Bitmap Display">
+            <a:extLst>
+              <a:ext uri="{FF2B5EF4-FFF2-40B4-BE49-F238E27FC236}">
+                <a16:creationId xmlns:a16="http://schemas.microsoft.com/office/drawing/2014/main" id="{5475F346-B9C6-661B-032B-D24BE5301F2C}"/>
+              </a:ext>
+            </a:extLst>
+          </p:cNvPr>
+          <p:cNvPicPr>
+            <a:picLocks noChangeAspect="1"/>
+          </p:cNvPicPr>
+          <p:nvPr>
+            <p:custDataLst>
+              <p:tags r:id="rId1"/>
+            </p:custDataLst>
+          </p:nvPr>
+        </p:nvPicPr>
+        <p:blipFill>
+          <a:blip r:embed="rId3"/>
+          <a:stretch>
+            <a:fillRect/>
+          </a:stretch>
+        </p:blipFill>
+        <p:spPr>
+          <a:xfrm>
+            <a:off x="6168231" y="226520"/>
+            <a:ext cx="5103813" cy="4003699"/>
+          </a:xfrm>
+          <a:prstGeom prst="rect">
+            <a:avLst/>
+          </a:prstGeom>
+        </p:spPr>
+      </p:pic>
+      <p:pic>
+        <p:nvPicPr>
+          <p:cNvPr id="9" name="Picture 8">
+            <a:extLst>
+              <a:ext uri="{FF2B5EF4-FFF2-40B4-BE49-F238E27FC236}">
+                <a16:creationId xmlns:a16="http://schemas.microsoft.com/office/drawing/2014/main" id="{5661D69C-E232-C07D-2777-38C307E6F1F6}"/>
+              </a:ext>
+            </a:extLst>
+          </p:cNvPr>
+          <p:cNvPicPr>
+            <a:picLocks noChangeAspect="1"/>
+          </p:cNvPicPr>
+          <p:nvPr/>
+        </p:nvPicPr>
+        <p:blipFill>
+          <a:blip r:embed="rId4"/>
+          <a:stretch>
+            <a:fillRect/>
+          </a:stretch>
+        </p:blipFill>
+        <p:spPr>
+          <a:xfrm>
+            <a:off x="254767" y="2962768"/>
+            <a:ext cx="3429000" cy="2032000"/>
+          </a:xfrm>
+          <a:prstGeom prst="rect">
+            <a:avLst/>
+          </a:prstGeom>
+        </p:spPr>
+      </p:pic>
+      <p:pic>
+        <p:nvPicPr>
+          <p:cNvPr id="10" name="Picture 9">
+            <a:extLst>
+              <a:ext uri="{FF2B5EF4-FFF2-40B4-BE49-F238E27FC236}">
+                <a16:creationId xmlns:a16="http://schemas.microsoft.com/office/drawing/2014/main" id="{88F95BD8-1D6B-A77E-CCA4-36DAC5AD578C}"/>
+              </a:ext>
+            </a:extLst>
+          </p:cNvPr>
+          <p:cNvPicPr>
+            <a:picLocks noChangeAspect="1"/>
+          </p:cNvPicPr>
+          <p:nvPr/>
+        </p:nvPicPr>
+        <p:blipFill>
+          <a:blip r:embed="rId5"/>
+          <a:stretch>
+            <a:fillRect/>
+          </a:stretch>
+        </p:blipFill>
+        <p:spPr>
+          <a:xfrm>
+            <a:off x="254767" y="226520"/>
+            <a:ext cx="4737100" cy="2540000"/>
+          </a:xfrm>
+          <a:prstGeom prst="rect">
+            <a:avLst/>
+          </a:prstGeom>
+        </p:spPr>
+      </p:pic>
+      <p:pic>
+        <p:nvPicPr>
+          <p:cNvPr id="11" name="Picture 10">
+            <a:extLst>
+              <a:ext uri="{FF2B5EF4-FFF2-40B4-BE49-F238E27FC236}">
+                <a16:creationId xmlns:a16="http://schemas.microsoft.com/office/drawing/2014/main" id="{A6743EBE-58FE-2C97-20A9-A6E5D05ECFEB}"/>
+              </a:ext>
+            </a:extLst>
+          </p:cNvPr>
+          <p:cNvPicPr>
+            <a:picLocks noChangeAspect="1"/>
+          </p:cNvPicPr>
+          <p:nvPr/>
+        </p:nvPicPr>
+        <p:blipFill>
+          <a:blip r:embed="rId6"/>
+          <a:stretch>
+            <a:fillRect/>
+          </a:stretch>
+        </p:blipFill>
+        <p:spPr>
+          <a:xfrm>
+            <a:off x="254767" y="5262453"/>
+            <a:ext cx="4013200" cy="1587500"/>
+          </a:xfrm>
+          <a:prstGeom prst="rect">
+            <a:avLst/>
+          </a:prstGeom>
+        </p:spPr>
+      </p:pic>
+      <p:pic>
+        <p:nvPicPr>
+          <p:cNvPr id="12" name="Picture 11">
+            <a:extLst>
+              <a:ext uri="{FF2B5EF4-FFF2-40B4-BE49-F238E27FC236}">
+                <a16:creationId xmlns:a16="http://schemas.microsoft.com/office/drawing/2014/main" id="{2ADAA5E3-37C7-C0F9-4663-637920970E06}"/>
+              </a:ext>
+            </a:extLst>
+          </p:cNvPr>
+          <p:cNvPicPr>
+            <a:picLocks noChangeAspect="1"/>
+          </p:cNvPicPr>
+          <p:nvPr/>
+        </p:nvPicPr>
+        <p:blipFill>
+          <a:blip r:embed="rId7"/>
+          <a:stretch>
+            <a:fillRect/>
+          </a:stretch>
+        </p:blipFill>
+        <p:spPr>
+          <a:xfrm>
+            <a:off x="4948237" y="5215202"/>
+            <a:ext cx="3771900" cy="1536700"/>
+          </a:xfrm>
+          <a:prstGeom prst="rect">
+            <a:avLst/>
+          </a:prstGeom>
+        </p:spPr>
+      </p:pic>
+    </p:spTree>
+    <p:extLst>
+      <p:ext uri="{BB962C8B-B14F-4D97-AF65-F5344CB8AC3E}">
+        <p14:creationId xmlns:p14="http://schemas.microsoft.com/office/powerpoint/2010/main" val="33372005"/>
+      </p:ext>
+    </p:extLst>
+  </p:cSld>
+  <p:clrMapOvr>
+    <a:masterClrMapping/>
+  </p:clrMapOvr>
+</p:sld>
+</file>
+
+<file path=ppt/slides/slide12.xml><?xml version="1.0" encoding="utf-8"?>
+<p:sld xmlns:a="http://schemas.openxmlformats.org/drawingml/2006/main" xmlns:r="http://schemas.openxmlformats.org/officeDocument/2006/relationships" xmlns:p="http://schemas.openxmlformats.org/presentationml/2006/main">
+  <p:cSld>
+    <p:spTree>
+      <p:nvGrpSpPr>
+        <p:cNvPr id="1" name=""/>
+        <p:cNvGrpSpPr/>
+        <p:nvPr/>
+      </p:nvGrpSpPr>
+      <p:grpSpPr>
+        <a:xfrm>
+          <a:off x="0" y="0"/>
+          <a:ext cx="0" cy="0"/>
+          <a:chOff x="0" y="0"/>
+          <a:chExt cx="0" cy="0"/>
+        </a:xfrm>
+      </p:grpSpPr>
+      <p:sp>
+        <p:nvSpPr>
+          <p:cNvPr id="2" name="Title 1">
+            <a:extLst>
+              <a:ext uri="{FF2B5EF4-FFF2-40B4-BE49-F238E27FC236}">
                 <a16:creationId xmlns:a16="http://schemas.microsoft.com/office/drawing/2014/main" id="{4CF00431-26CA-A6A2-A756-342BC42E625E}"/>
               </a:ext>
             </a:extLst>
@@ -8198,7 +8511,7 @@
 </p:sld>
 </file>
 
-<file path=ppt/slides/slide11.xml><?xml version="1.0" encoding="utf-8"?>
+<file path=ppt/slides/slide13.xml><?xml version="1.0" encoding="utf-8"?>
 <p:sld xmlns:a="http://schemas.openxmlformats.org/drawingml/2006/main" xmlns:r="http://schemas.openxmlformats.org/officeDocument/2006/relationships" xmlns:p="http://schemas.openxmlformats.org/presentationml/2006/main">
   <p:cSld>
     <p:spTree>
@@ -8350,7 +8663,7 @@
 </p:sld>
 </file>
 
-<file path=ppt/slides/slide12.xml><?xml version="1.0" encoding="utf-8"?>
+<file path=ppt/slides/slide14.xml><?xml version="1.0" encoding="utf-8"?>
 <p:sld xmlns:a="http://schemas.openxmlformats.org/drawingml/2006/main" xmlns:r="http://schemas.openxmlformats.org/officeDocument/2006/relationships" xmlns:p="http://schemas.openxmlformats.org/presentationml/2006/main">
   <p:cSld>
     <p:spTree>
@@ -8507,7 +8820,7 @@
 </p:sld>
 </file>
 
-<file path=ppt/slides/slide13.xml><?xml version="1.0" encoding="utf-8"?>
+<file path=ppt/slides/slide15.xml><?xml version="1.0" encoding="utf-8"?>
 <p:sld xmlns:a="http://schemas.openxmlformats.org/drawingml/2006/main" xmlns:r="http://schemas.openxmlformats.org/officeDocument/2006/relationships" xmlns:p="http://schemas.openxmlformats.org/presentationml/2006/main">
   <p:cSld>
     <p:spTree>
@@ -19478,6 +19791,46 @@
 <file path=ppt/tags/tag5.xml><?xml version="1.0" encoding="utf-8"?>
 <p:tagLst xmlns:a="http://schemas.openxmlformats.org/drawingml/2006/main" xmlns:r="http://schemas.openxmlformats.org/officeDocument/2006/relationships" xmlns:p="http://schemas.openxmlformats.org/presentationml/2006/main">
   <p:tag name="OUTPUTDPI" val="1200"/>
+  <p:tag name="ORIGINALHEIGHT" val="55"/>
+  <p:tag name="ORIGINALWIDTH" val="227"/>
+  <p:tag name="OUTPUTTYPE" val="PDF"/>
+  <p:tag name="IGUANATEXVERSION" val="160"/>
+  <p:tag name="LATEXADDIN" val="\documentclass{article}&#10;\usepackage{amsmath,bbm,mathrsfs}&#10;\setlength\parindent{0em}&#10;\usepackage{geometry}&#10;\geometry{textwidth=8cm}&#10;\setlength\parskip{1em}&#10;\pagestyle{empty}&#10;\begin{document}&#10;&#10;&#10;Se l'incastro in legno ha uno spessore di \(150 \, \text{mm}\), determinare lo sforzo di taglio medio lungo i piani \(a-a\) e \(b-b\) dell'elemento collegato. Per ogni piano, rappresentare lo stato di sollecitazione su un elemento del materiale.&#10;&#10;\end{document}"/>
+  <p:tag name="IGUANATEXSIZE" val="20"/>
+  <p:tag name="IGUANATEXCURSOR" val="127"/>
+  <p:tag name="TRANSPARENCY" val="True"/>
+  <p:tag name="LATEXENGINEID" val="0"/>
+  <p:tag name="TEMPFOLDER" val="/private/var/folders/bl/qr6kzqqj6dq26b3546l3vykm0000gn/T/com.microsoft.Powerpoint/TemporaryItems/"/>
+  <p:tag name="LATEXFORMHEIGHT" val="426,65"/>
+  <p:tag name="LATEXFORMWIDTH" val="513,35"/>
+  <p:tag name="LATEXFORMWRAP" val="True"/>
+  <p:tag name="BITMAPVECTOR" val="0"/>
+</p:tagLst>
+</file>
+
+<file path=ppt/tags/tag6.xml><?xml version="1.0" encoding="utf-8"?>
+<p:tagLst xmlns:a="http://schemas.openxmlformats.org/drawingml/2006/main" xmlns:r="http://schemas.openxmlformats.org/officeDocument/2006/relationships" xmlns:p="http://schemas.openxmlformats.org/presentationml/2006/main">
+  <p:tag name="OUTPUTDPI" val="1200"/>
+  <p:tag name="ORIGINALHEIGHT" val="222"/>
+  <p:tag name="ORIGINALWIDTH" val="283"/>
+  <p:tag name="OUTPUTTYPE" val="PDF"/>
+  <p:tag name="IGUANATEXVERSION" val="160"/>
+  <p:tag name="LATEXADDIN" val="\documentclass{article}&#10;\usepackage{amsmath,bbm,mathrsfs}&#10;\setlength\parindent{0em}&#10;\usepackage{geometry}&#10;\geometry{textwidth=10cm}&#10;\setlength\parskip{1em}&#10;\pagestyle{empty}&#10;\begin{document}&#10;&#10;&#10;Riferendosi al diagramma delle forze sul corpo libero &#10;$$&#10;\stackrel{+}{\rightarrow} F_x = 0 ; \quad 6 \, \text{kN} - F - F = 0 \quad F = 3 \, \text{kN}&#10;$$&#10;Ora consideriamo l'equilibrio dei segmenti tagliati lungo i piani di taglio \(a-a\) e \(b-b\), mostrati nelle Fig. \(1-22 c\) e \(1-22 d\).&#10;$$&#10;\begin{aligned}&#10;&amp; \stackrel{\Sigma}{\rightarrow} F_x = 0 ; \quad V_a - 3 \, \text{kN} = 0 \quad V_a = 3 \, \text{kN} \\&#10;&amp; \stackrel{\pm}{\rightarrow} F_x = 0 ; \quad 3 \, \text{kN} - V_b = 0 \quad V_b = 3 \, \text{kN} \&#10;\end{aligned}&#10;$$&#10;&#10;$$&#10;\begin{aligned}&#10;&amp; \left( \tau_a \right)_{\text{avg}} = \frac{V_a}{A_a} = \frac{3 \times 10^3 \, \text{N}}{(0.1 \, \text{m}) (0.15 \, \text{m})} = 200 \, \text{kPa} \\&#10;&amp; \left( \tau_b \right)_{\text{avg}} = \frac{V_b}{A_b} = \frac{3 \times 10^3 \, \text{N}}{(0.125 \, \text{m}) (0.15 \, \text{m})} = 160 \, \text{kPa} \&#10;\end{aligned}&#10;$$&#10;&#10;&#10;Lo stato di sollecitazione sugli elementi situati sulle sezioni \(a-a\) e \(b-b\) è mostrato nelle c e d.&#10;&#10;&#10;&#10;\end{document}"/>
+  <p:tag name="IGUANATEXSIZE" val="20"/>
+  <p:tag name="IGUANATEXCURSOR" val="1175"/>
+  <p:tag name="TRANSPARENCY" val="True"/>
+  <p:tag name="LATEXENGINEID" val="0"/>
+  <p:tag name="TEMPFOLDER" val="/private/var/folders/bl/qr6kzqqj6dq26b3546l3vykm0000gn/T/com.microsoft.Powerpoint/TemporaryItems/"/>
+  <p:tag name="LATEXFORMHEIGHT" val="426,65"/>
+  <p:tag name="LATEXFORMWIDTH" val="513,35"/>
+  <p:tag name="LATEXFORMWRAP" val="True"/>
+  <p:tag name="BITMAPVECTOR" val="0"/>
+</p:tagLst>
+</file>
+
+<file path=ppt/tags/tag7.xml><?xml version="1.0" encoding="utf-8"?>
+<p:tagLst xmlns:a="http://schemas.openxmlformats.org/drawingml/2006/main" xmlns:r="http://schemas.openxmlformats.org/officeDocument/2006/relationships" xmlns:p="http://schemas.openxmlformats.org/presentationml/2006/main">
+  <p:tag name="OUTPUTDPI" val="1200"/>
   <p:tag name="ORIGINALHEIGHT" val="33"/>
   <p:tag name="ORIGINALWIDTH" val="283"/>
   <p:tag name="OUTPUTTYPE" val="PDF"/>
@@ -19495,7 +19848,7 @@
 </p:tagLst>
 </file>
 
-<file path=ppt/tags/tag6.xml><?xml version="1.0" encoding="utf-8"?>
+<file path=ppt/tags/tag8.xml><?xml version="1.0" encoding="utf-8"?>
 <p:tagLst xmlns:a="http://schemas.openxmlformats.org/drawingml/2006/main" xmlns:r="http://schemas.openxmlformats.org/officeDocument/2006/relationships" xmlns:p="http://schemas.openxmlformats.org/presentationml/2006/main">
   <p:tag name="OUTPUTDPI" val="1200"/>
   <p:tag name="ORIGINALHEIGHT" val="332"/>
@@ -19515,7 +19868,7 @@
 </p:tagLst>
 </file>
 
-<file path=ppt/tags/tag7.xml><?xml version="1.0" encoding="utf-8"?>
+<file path=ppt/tags/tag9.xml><?xml version="1.0" encoding="utf-8"?>
 <p:tagLst xmlns:a="http://schemas.openxmlformats.org/drawingml/2006/main" xmlns:r="http://schemas.openxmlformats.org/officeDocument/2006/relationships" xmlns:p="http://schemas.openxmlformats.org/presentationml/2006/main">
   <p:tag name="OUTPUTDPI" val="1200"/>
   <p:tag name="ORIGINALHEIGHT" val="67"/>

--- a/lezioni/tensione tangenziale.pptx
+++ b/lezioni/tensione tangenziale.pptx
@@ -4923,7 +4923,7 @@
           <a:p>
             <a:fld id="{9548EC00-85CB-FE48-AEFA-5EC54BD6331D}" type="datetimeFigureOut">
               <a:rPr lang="en-IT" smtClean="0"/>
-              <a:t>11/09/23</a:t>
+              <a:t>25/09/23</a:t>
             </a:fld>
             <a:endParaRPr lang="en-IT"/>
           </a:p>
@@ -5123,7 +5123,7 @@
           <a:p>
             <a:fld id="{9548EC00-85CB-FE48-AEFA-5EC54BD6331D}" type="datetimeFigureOut">
               <a:rPr lang="en-IT" smtClean="0"/>
-              <a:t>11/09/23</a:t>
+              <a:t>25/09/23</a:t>
             </a:fld>
             <a:endParaRPr lang="en-IT"/>
           </a:p>
@@ -5333,7 +5333,7 @@
           <a:p>
             <a:fld id="{9548EC00-85CB-FE48-AEFA-5EC54BD6331D}" type="datetimeFigureOut">
               <a:rPr lang="en-IT" smtClean="0"/>
-              <a:t>11/09/23</a:t>
+              <a:t>25/09/23</a:t>
             </a:fld>
             <a:endParaRPr lang="en-IT"/>
           </a:p>
@@ -5533,7 +5533,7 @@
           <a:p>
             <a:fld id="{9548EC00-85CB-FE48-AEFA-5EC54BD6331D}" type="datetimeFigureOut">
               <a:rPr lang="en-IT" smtClean="0"/>
-              <a:t>11/09/23</a:t>
+              <a:t>25/09/23</a:t>
             </a:fld>
             <a:endParaRPr lang="en-IT"/>
           </a:p>
@@ -5809,7 +5809,7 @@
           <a:p>
             <a:fld id="{9548EC00-85CB-FE48-AEFA-5EC54BD6331D}" type="datetimeFigureOut">
               <a:rPr lang="en-IT" smtClean="0"/>
-              <a:t>11/09/23</a:t>
+              <a:t>25/09/23</a:t>
             </a:fld>
             <a:endParaRPr lang="en-IT"/>
           </a:p>
@@ -6077,7 +6077,7 @@
           <a:p>
             <a:fld id="{9548EC00-85CB-FE48-AEFA-5EC54BD6331D}" type="datetimeFigureOut">
               <a:rPr lang="en-IT" smtClean="0"/>
-              <a:t>11/09/23</a:t>
+              <a:t>25/09/23</a:t>
             </a:fld>
             <a:endParaRPr lang="en-IT"/>
           </a:p>
@@ -6492,7 +6492,7 @@
           <a:p>
             <a:fld id="{9548EC00-85CB-FE48-AEFA-5EC54BD6331D}" type="datetimeFigureOut">
               <a:rPr lang="en-IT" smtClean="0"/>
-              <a:t>11/09/23</a:t>
+              <a:t>25/09/23</a:t>
             </a:fld>
             <a:endParaRPr lang="en-IT"/>
           </a:p>
@@ -6634,7 +6634,7 @@
           <a:p>
             <a:fld id="{9548EC00-85CB-FE48-AEFA-5EC54BD6331D}" type="datetimeFigureOut">
               <a:rPr lang="en-IT" smtClean="0"/>
-              <a:t>11/09/23</a:t>
+              <a:t>25/09/23</a:t>
             </a:fld>
             <a:endParaRPr lang="en-IT"/>
           </a:p>
@@ -6747,7 +6747,7 @@
           <a:p>
             <a:fld id="{9548EC00-85CB-FE48-AEFA-5EC54BD6331D}" type="datetimeFigureOut">
               <a:rPr lang="en-IT" smtClean="0"/>
-              <a:t>11/09/23</a:t>
+              <a:t>25/09/23</a:t>
             </a:fld>
             <a:endParaRPr lang="en-IT"/>
           </a:p>
@@ -7060,7 +7060,7 @@
           <a:p>
             <a:fld id="{9548EC00-85CB-FE48-AEFA-5EC54BD6331D}" type="datetimeFigureOut">
               <a:rPr lang="en-IT" smtClean="0"/>
-              <a:t>11/09/23</a:t>
+              <a:t>25/09/23</a:t>
             </a:fld>
             <a:endParaRPr lang="en-IT"/>
           </a:p>
@@ -7349,7 +7349,7 @@
           <a:p>
             <a:fld id="{9548EC00-85CB-FE48-AEFA-5EC54BD6331D}" type="datetimeFigureOut">
               <a:rPr lang="en-IT" smtClean="0"/>
-              <a:t>11/09/23</a:t>
+              <a:t>25/09/23</a:t>
             </a:fld>
             <a:endParaRPr lang="en-IT"/>
           </a:p>
@@ -7592,7 +7592,7 @@
           <a:p>
             <a:fld id="{9548EC00-85CB-FE48-AEFA-5EC54BD6331D}" type="datetimeFigureOut">
               <a:rPr lang="en-IT" smtClean="0"/>
-              <a:t>11/09/23</a:t>
+              <a:t>25/09/23</a:t>
             </a:fld>
             <a:endParaRPr lang="en-IT"/>
           </a:p>
@@ -14906,8 +14906,8 @@
           </p:pic>
         </mc:Fallback>
       </mc:AlternateContent>
-      <mc:AlternateContent xmlns:mc="http://schemas.openxmlformats.org/markup-compatibility/2006" xmlns:a14="http://schemas.microsoft.com/office/drawing/2010/main">
-        <mc:Choice Requires="a14">
+      <mc:AlternateContent xmlns:mc="http://schemas.openxmlformats.org/markup-compatibility/2006">
+        <mc:Choice xmlns:a14="http://schemas.microsoft.com/office/drawing/2010/main" Requires="a14">
           <p:sp>
             <p:nvSpPr>
               <p:cNvPr id="12" name="Content Placeholder 2">
@@ -15092,7 +15092,7 @@
                           <a:rPr lang="en-US" b="0" i="1" smtClean="0">
                             <a:latin typeface="Cambria Math" panose="02040503050406030204" pitchFamily="18" charset="0"/>
                           </a:rPr>
-                          <m:t>𝑃</m:t>
+                          <m:t>𝐴</m:t>
                         </m:r>
                       </m:den>
                     </m:f>
@@ -15123,7 +15123,7 @@
                           <a:rPr lang="en-US" b="0" i="1" smtClean="0">
                             <a:latin typeface="Cambria Math" panose="02040503050406030204" pitchFamily="18" charset="0"/>
                           </a:rPr>
-                          <m:t>𝑃</m:t>
+                          <m:t>𝐴</m:t>
                         </m:r>
                       </m:den>
                     </m:f>
@@ -15154,7 +15154,7 @@
             </p:txBody>
           </p:sp>
         </mc:Choice>
-        <mc:Fallback xmlns="">
+        <mc:Fallback>
           <p:sp>
             <p:nvSpPr>
               <p:cNvPr id="12" name="Content Placeholder 2">
